--- a/Presentations/2025_Summit/2025_Oct_27_Summit_Standards_glTF.pptx
+++ b/Presentations/2025_Summit/2025_Oct_27_Summit_Standards_glTF.pptx
@@ -5,28 +5,30 @@
     <p:sldMasterId id="2147483648" r:id="rId4"/>
   </p:sldMasterIdLst>
   <p:notesMasterIdLst>
-    <p:notesMasterId r:id="rId11"/>
+    <p:notesMasterId r:id="rId13"/>
   </p:notesMasterIdLst>
   <p:handoutMasterIdLst>
-    <p:handoutMasterId r:id="rId12"/>
+    <p:handoutMasterId r:id="rId14"/>
   </p:handoutMasterIdLst>
   <p:sldIdLst>
     <p:sldId id="379" r:id="rId5"/>
     <p:sldId id="432" r:id="rId6"/>
     <p:sldId id="461" r:id="rId7"/>
-    <p:sldId id="462" r:id="rId8"/>
-    <p:sldId id="463" r:id="rId9"/>
-    <p:sldId id="348" r:id="rId10"/>
+    <p:sldId id="464" r:id="rId8"/>
+    <p:sldId id="466" r:id="rId9"/>
+    <p:sldId id="467" r:id="rId10"/>
+    <p:sldId id="462" r:id="rId11"/>
+    <p:sldId id="348" r:id="rId12"/>
   </p:sldIdLst>
   <p:sldSz cx="18288000" cy="10287000"/>
   <p:notesSz cx="6858000" cy="9144000"/>
   <p:embeddedFontLst>
     <p:embeddedFont>
       <p:font typeface="Aptos SemiBold" panose="020B0004020202020204" pitchFamily="34" charset="0"/>
-      <p:regular r:id="rId13"/>
-      <p:bold r:id="rId14"/>
-      <p:italic r:id="rId15"/>
-      <p:boldItalic r:id="rId16"/>
+      <p:regular r:id="rId15"/>
+      <p:bold r:id="rId16"/>
+      <p:italic r:id="rId17"/>
+      <p:boldItalic r:id="rId18"/>
     </p:embeddedFont>
   </p:embeddedFontLst>
   <p:defaultTextStyle>
@@ -3255,7 +3257,7 @@
           <a:p>
             <a:fld id="{8028D1E4-4BBA-6F41-9D9B-7C498DFA1119}" type="datetimeFigureOut">
               <a:rPr lang="en-US" smtClean="0"/>
-              <a:t>10/19/2025</a:t>
+              <a:t>10/21/2025</a:t>
             </a:fld>
             <a:endParaRPr lang="en-US"/>
           </a:p>
@@ -3432,7 +3434,7 @@
           <a:p>
             <a:fld id="{761ABE01-8AD2-744F-9651-CCC9DC857332}" type="datetimeFigureOut">
               <a:rPr lang="en-US" smtClean="0"/>
-              <a:t>10/19/2025</a:t>
+              <a:t>10/21/2025</a:t>
             </a:fld>
             <a:endParaRPr lang="en-US"/>
           </a:p>
@@ -5458,7 +5460,7 @@
             <a:fld id="{1D8BD707-D9CF-40AE-B4C6-C98DA3205C09}" type="datetimeFigureOut">
               <a:rPr lang="en-US" smtClean="0"/>
               <a:pPr/>
-              <a:t>10/19/2025</a:t>
+              <a:t>10/21/2025</a:t>
             </a:fld>
             <a:endParaRPr lang="en-US" dirty="0"/>
           </a:p>
@@ -6335,6 +6337,1203 @@
         <p:cNvPr id="1" name="">
           <a:extLst>
             <a:ext uri="{FF2B5EF4-FFF2-40B4-BE49-F238E27FC236}">
+              <a16:creationId xmlns:a16="http://schemas.microsoft.com/office/drawing/2014/main" id="{ADBA471A-E937-050A-D7BA-AE55834DA663}"/>
+            </a:ext>
+          </a:extLst>
+        </p:cNvPr>
+        <p:cNvGrpSpPr/>
+        <p:nvPr/>
+      </p:nvGrpSpPr>
+      <p:grpSpPr>
+        <a:xfrm>
+          <a:off x="0" y="0"/>
+          <a:ext cx="0" cy="0"/>
+          <a:chOff x="0" y="0"/>
+          <a:chExt cx="0" cy="0"/>
+        </a:xfrm>
+      </p:grpSpPr>
+      <p:sp>
+        <p:nvSpPr>
+          <p:cNvPr id="2" name="Text Placeholder 1">
+            <a:extLst>
+              <a:ext uri="{FF2B5EF4-FFF2-40B4-BE49-F238E27FC236}">
+                <a16:creationId xmlns:a16="http://schemas.microsoft.com/office/drawing/2014/main" id="{9539E65A-3D6E-2EE5-CD8B-462BBEDA0CBE}"/>
+              </a:ext>
+            </a:extLst>
+          </p:cNvPr>
+          <p:cNvSpPr>
+            <a:spLocks noGrp="1"/>
+          </p:cNvSpPr>
+          <p:nvPr>
+            <p:ph type="body" idx="16"/>
+          </p:nvPr>
+        </p:nvSpPr>
+        <p:spPr>
+          <a:xfrm>
+            <a:off x="838200" y="1866900"/>
+            <a:ext cx="16598236" cy="7309047"/>
+          </a:xfrm>
+        </p:spPr>
+        <p:txBody>
+          <a:bodyPr/>
+          <a:lstStyle/>
+          <a:p>
+            <a:pPr marL="0" indent="0">
+              <a:buNone/>
+            </a:pPr>
+            <a:r>
+              <a:rPr lang="en-US" b="1" dirty="0">
+                <a:latin typeface="+mn-lt"/>
+              </a:rPr>
+              <a:t>Description</a:t>
+            </a:r>
+          </a:p>
+          <a:p>
+            <a:pPr marL="857250" lvl="2" indent="0">
+              <a:buNone/>
+            </a:pPr>
+            <a:r>
+              <a:rPr lang="en-US" sz="2600" dirty="0">
+                <a:latin typeface="+mn-lt"/>
+              </a:rPr>
+              <a:t>An Extension to Support </a:t>
+            </a:r>
+            <a:r>
+              <a:rPr lang="en-US" sz="2600" dirty="0" err="1">
+                <a:latin typeface="+mn-lt"/>
+              </a:rPr>
+              <a:t>GeoSpatial</a:t>
+            </a:r>
+            <a:r>
+              <a:rPr lang="en-US" sz="2600" dirty="0">
+                <a:latin typeface="+mn-lt"/>
+              </a:rPr>
+              <a:t> Content in a </a:t>
+            </a:r>
+            <a:r>
+              <a:rPr lang="en-US" sz="2600" dirty="0" err="1">
+                <a:latin typeface="+mn-lt"/>
+              </a:rPr>
+              <a:t>glTF</a:t>
+            </a:r>
+            <a:r>
+              <a:rPr lang="en-US" sz="2600" dirty="0">
+                <a:latin typeface="+mn-lt"/>
+              </a:rPr>
+              <a:t> Scene.</a:t>
+            </a:r>
+          </a:p>
+          <a:p>
+            <a:pPr marL="0" indent="0">
+              <a:buNone/>
+            </a:pPr>
+            <a:r>
+              <a:rPr lang="en-US" b="1" dirty="0">
+                <a:latin typeface="+mn-lt"/>
+              </a:rPr>
+              <a:t>Contributors</a:t>
+            </a:r>
+          </a:p>
+          <a:p>
+            <a:pPr marL="400050" lvl="1" indent="0">
+              <a:buNone/>
+            </a:pPr>
+            <a:r>
+              <a:rPr lang="en-US" dirty="0">
+                <a:latin typeface="+mn-lt"/>
+              </a:rPr>
+              <a:t>	Christine Perey, PEREY Research &amp; Consulting, cperey@perey.com</a:t>
+            </a:r>
+          </a:p>
+          <a:p>
+            <a:pPr marL="400050" lvl="1" indent="0">
+              <a:buNone/>
+            </a:pPr>
+            <a:r>
+              <a:rPr lang="en-US" dirty="0">
+                <a:latin typeface="+mn-lt"/>
+              </a:rPr>
+              <a:t>	Steve Smyth, co-Chair OGC </a:t>
+            </a:r>
+            <a:r>
+              <a:rPr lang="en-US" dirty="0" err="1">
+                <a:latin typeface="+mn-lt"/>
+              </a:rPr>
+              <a:t>GeoPose</a:t>
+            </a:r>
+            <a:r>
+              <a:rPr lang="en-US" dirty="0">
+                <a:latin typeface="+mn-lt"/>
+              </a:rPr>
+              <a:t> SWG, steve@opensiteplan.org</a:t>
+            </a:r>
+          </a:p>
+          <a:p>
+            <a:pPr marL="400050" lvl="1" indent="0">
+              <a:buNone/>
+            </a:pPr>
+            <a:r>
+              <a:rPr lang="en-US" dirty="0">
+                <a:latin typeface="+mn-lt"/>
+              </a:rPr>
+              <a:t>	Jeremy Morley, University College London, </a:t>
+            </a:r>
+            <a:r>
+              <a:rPr lang="en-US" dirty="0">
+                <a:latin typeface="+mn-lt"/>
+                <a:hlinkClick r:id="rId2"/>
+              </a:rPr>
+              <a:t>ucfsjmg@ucl.ac.uk</a:t>
+            </a:r>
+            <a:endParaRPr lang="en-US" dirty="0">
+              <a:latin typeface="+mn-lt"/>
+            </a:endParaRPr>
+          </a:p>
+          <a:p>
+            <a:pPr marL="400050" lvl="1" indent="0">
+              <a:buNone/>
+            </a:pPr>
+            <a:r>
+              <a:rPr lang="en-US" dirty="0">
+                <a:latin typeface="+mn-lt"/>
+              </a:rPr>
+              <a:t>	Josh Lieberman, </a:t>
+            </a:r>
+            <a:r>
+              <a:rPr lang="en-US" dirty="0" err="1">
+                <a:latin typeface="+mn-lt"/>
+              </a:rPr>
+              <a:t>xxxxx</a:t>
+            </a:r>
+            <a:r>
+              <a:rPr lang="en-US" dirty="0">
+                <a:latin typeface="+mn-lt"/>
+              </a:rPr>
+              <a:t>, </a:t>
+            </a:r>
+            <a:r>
+              <a:rPr lang="en-US" dirty="0" err="1">
+                <a:latin typeface="+mn-lt"/>
+              </a:rPr>
+              <a:t>j@m</a:t>
+            </a:r>
+            <a:endParaRPr lang="en-US" dirty="0">
+              <a:latin typeface="+mn-lt"/>
+            </a:endParaRPr>
+          </a:p>
+          <a:p>
+            <a:pPr marL="0" indent="0">
+              <a:buNone/>
+            </a:pPr>
+            <a:r>
+              <a:rPr lang="en-US" b="1" dirty="0">
+                <a:latin typeface="+mn-lt"/>
+              </a:rPr>
+              <a:t>Status</a:t>
+            </a:r>
+            <a:endParaRPr lang="en-US" dirty="0">
+              <a:latin typeface="+mn-lt"/>
+            </a:endParaRPr>
+          </a:p>
+          <a:p>
+            <a:pPr marL="0" indent="0">
+              <a:buNone/>
+            </a:pPr>
+            <a:r>
+              <a:rPr lang="en-US" dirty="0">
+                <a:latin typeface="+mn-lt"/>
+              </a:rPr>
+              <a:t>	Draft</a:t>
+            </a:r>
+          </a:p>
+          <a:p>
+            <a:pPr marL="0" indent="0">
+              <a:buNone/>
+            </a:pPr>
+            <a:r>
+              <a:rPr lang="en-US" b="1" dirty="0">
+                <a:latin typeface="+mn-lt"/>
+              </a:rPr>
+              <a:t>Dependencies</a:t>
+            </a:r>
+            <a:endParaRPr lang="en-US" dirty="0">
+              <a:latin typeface="+mn-lt"/>
+            </a:endParaRPr>
+          </a:p>
+          <a:p>
+            <a:pPr marL="857250" lvl="2" indent="0">
+              <a:buNone/>
+            </a:pPr>
+            <a:r>
+              <a:rPr lang="en-US" dirty="0">
+                <a:latin typeface="+mn-lt"/>
+              </a:rPr>
+              <a:t>Written against the Khronos </a:t>
+            </a:r>
+            <a:r>
+              <a:rPr lang="en-US" dirty="0" err="1">
+                <a:latin typeface="+mn-lt"/>
+              </a:rPr>
+              <a:t>glTF</a:t>
+            </a:r>
+            <a:r>
+              <a:rPr lang="en-US" dirty="0">
+                <a:latin typeface="+mn-lt"/>
+              </a:rPr>
+              <a:t> 2.0 specification and the Open Geospatial Consortium (OGC) </a:t>
+            </a:r>
+            <a:r>
+              <a:rPr lang="en-US" dirty="0" err="1">
+                <a:latin typeface="+mn-lt"/>
+              </a:rPr>
+              <a:t>GeoPose</a:t>
+            </a:r>
+            <a:r>
+              <a:rPr lang="en-US" dirty="0">
+                <a:latin typeface="+mn-lt"/>
+              </a:rPr>
+              <a:t> 1.0 standard.</a:t>
+            </a:r>
+          </a:p>
+          <a:p>
+            <a:pPr marL="0" indent="0">
+              <a:buNone/>
+            </a:pPr>
+            <a:endParaRPr lang="en-US" dirty="0"/>
+          </a:p>
+        </p:txBody>
+      </p:sp>
+      <p:sp>
+        <p:nvSpPr>
+          <p:cNvPr id="3" name="Title 2">
+            <a:extLst>
+              <a:ext uri="{FF2B5EF4-FFF2-40B4-BE49-F238E27FC236}">
+                <a16:creationId xmlns:a16="http://schemas.microsoft.com/office/drawing/2014/main" id="{4EA0D718-B565-48E1-700A-EFBBBE487F09}"/>
+              </a:ext>
+            </a:extLst>
+          </p:cNvPr>
+          <p:cNvSpPr>
+            <a:spLocks noGrp="1"/>
+          </p:cNvSpPr>
+          <p:nvPr>
+            <p:ph type="title"/>
+          </p:nvPr>
+        </p:nvSpPr>
+        <p:spPr>
+          <a:xfrm>
+            <a:off x="863080" y="555036"/>
+            <a:ext cx="17424920" cy="916056"/>
+          </a:xfrm>
+        </p:spPr>
+        <p:txBody>
+          <a:bodyPr/>
+          <a:lstStyle/>
+          <a:p>
+            <a:r>
+              <a:rPr lang="en-US" dirty="0"/>
+              <a:t>Khronos </a:t>
+            </a:r>
+            <a:r>
+              <a:rPr lang="en-US" dirty="0" err="1"/>
+              <a:t>glTF</a:t>
+            </a:r>
+            <a:r>
+              <a:rPr lang="en-US" dirty="0"/>
+              <a:t> 2 Extension Proposal from OGC: </a:t>
+            </a:r>
+            <a:r>
+              <a:rPr lang="en-US" u="sng" dirty="0" err="1"/>
+              <a:t>EXT_geolocate_orient_bound</a:t>
+            </a:r>
+            <a:endParaRPr lang="en-US" u="sng" dirty="0"/>
+          </a:p>
+        </p:txBody>
+      </p:sp>
+      <p:sp>
+        <p:nvSpPr>
+          <p:cNvPr id="5" name="AutoShape 2" descr="hfb">
+            <a:extLst>
+              <a:ext uri="{FF2B5EF4-FFF2-40B4-BE49-F238E27FC236}">
+                <a16:creationId xmlns:a16="http://schemas.microsoft.com/office/drawing/2014/main" id="{42E0C97C-0FB5-46F5-D229-E61E057ABFE0}"/>
+              </a:ext>
+            </a:extLst>
+          </p:cNvPr>
+          <p:cNvSpPr>
+            <a:spLocks noChangeAspect="1" noChangeArrowheads="1"/>
+          </p:cNvSpPr>
+          <p:nvPr/>
+        </p:nvSpPr>
+        <p:spPr bwMode="auto">
+          <a:xfrm>
+            <a:off x="85725" y="4462463"/>
+            <a:ext cx="1905000" cy="1905000"/>
+          </a:xfrm>
+          <a:prstGeom prst="rect">
+            <a:avLst/>
+          </a:prstGeom>
+          <a:noFill/>
+          <a:extLst>
+            <a:ext uri="{909E8E84-426E-40DD-AFC4-6F175D3DCCD1}">
+              <a14:hiddenFill xmlns:a14="http://schemas.microsoft.com/office/drawing/2010/main">
+                <a:solidFill>
+                  <a:srgbClr val="FFFFFF"/>
+                </a:solidFill>
+              </a14:hiddenFill>
+            </a:ext>
+          </a:extLst>
+        </p:spPr>
+        <p:txBody>
+          <a:bodyPr vert="horz" wrap="square" lIns="91440" tIns="45720" rIns="91440" bIns="45720" numCol="1" anchor="t" anchorCtr="0" compatLnSpc="1">
+            <a:prstTxWarp prst="textNoShape">
+              <a:avLst/>
+            </a:prstTxWarp>
+          </a:bodyPr>
+          <a:lstStyle/>
+          <a:p>
+            <a:endParaRPr lang="en-US"/>
+          </a:p>
+        </p:txBody>
+      </p:sp>
+    </p:spTree>
+    <p:extLst>
+      <p:ext uri="{BB962C8B-B14F-4D97-AF65-F5344CB8AC3E}">
+        <p14:creationId xmlns:p14="http://schemas.microsoft.com/office/powerpoint/2010/main" val="3535848564"/>
+      </p:ext>
+    </p:extLst>
+  </p:cSld>
+  <p:clrMapOvr>
+    <a:masterClrMapping/>
+  </p:clrMapOvr>
+</p:sld>
+</file>
+
+<file path=ppt/slides/slide5.xml><?xml version="1.0" encoding="utf-8"?>
+<p:sld xmlns:a="http://schemas.openxmlformats.org/drawingml/2006/main" xmlns:r="http://schemas.openxmlformats.org/officeDocument/2006/relationships" xmlns:p="http://schemas.openxmlformats.org/presentationml/2006/main">
+  <p:cSld>
+    <p:spTree>
+      <p:nvGrpSpPr>
+        <p:cNvPr id="1" name="">
+          <a:extLst>
+            <a:ext uri="{FF2B5EF4-FFF2-40B4-BE49-F238E27FC236}">
+              <a16:creationId xmlns:a16="http://schemas.microsoft.com/office/drawing/2014/main" id="{2C54B7F5-920F-A212-2E98-F5BC6C4FE75E}"/>
+            </a:ext>
+          </a:extLst>
+        </p:cNvPr>
+        <p:cNvGrpSpPr/>
+        <p:nvPr/>
+      </p:nvGrpSpPr>
+      <p:grpSpPr>
+        <a:xfrm>
+          <a:off x="0" y="0"/>
+          <a:ext cx="0" cy="0"/>
+          <a:chOff x="0" y="0"/>
+          <a:chExt cx="0" cy="0"/>
+        </a:xfrm>
+      </p:grpSpPr>
+      <p:sp>
+        <p:nvSpPr>
+          <p:cNvPr id="2" name="Text Placeholder 1">
+            <a:extLst>
+              <a:ext uri="{FF2B5EF4-FFF2-40B4-BE49-F238E27FC236}">
+                <a16:creationId xmlns:a16="http://schemas.microsoft.com/office/drawing/2014/main" id="{FA0D3BB2-4DAA-832A-A367-F92F750B8ED9}"/>
+              </a:ext>
+            </a:extLst>
+          </p:cNvPr>
+          <p:cNvSpPr>
+            <a:spLocks noGrp="1"/>
+          </p:cNvSpPr>
+          <p:nvPr>
+            <p:ph type="body" idx="16"/>
+          </p:nvPr>
+        </p:nvSpPr>
+        <p:spPr>
+          <a:xfrm>
+            <a:off x="838200" y="1866900"/>
+            <a:ext cx="16598236" cy="7309047"/>
+          </a:xfrm>
+        </p:spPr>
+        <p:txBody>
+          <a:bodyPr/>
+          <a:lstStyle/>
+          <a:p>
+            <a:pPr marL="0" indent="0">
+              <a:buNone/>
+            </a:pPr>
+            <a:r>
+              <a:rPr lang="en-US" b="1" dirty="0">
+                <a:latin typeface="+mn-lt"/>
+              </a:rPr>
+              <a:t>Summary</a:t>
+            </a:r>
+          </a:p>
+          <a:p>
+            <a:pPr marL="857250" lvl="2" indent="0">
+              <a:buNone/>
+            </a:pPr>
+            <a:r>
+              <a:rPr lang="en-US" dirty="0">
+                <a:latin typeface="+mn-lt"/>
+              </a:rPr>
+              <a:t>The proposed extension geolocates, orients, and bounds a </a:t>
+            </a:r>
+            <a:r>
+              <a:rPr lang="en-US" dirty="0" err="1">
+                <a:latin typeface="+mn-lt"/>
+              </a:rPr>
+              <a:t>glTF</a:t>
+            </a:r>
+            <a:r>
+              <a:rPr lang="en-US" dirty="0">
+                <a:latin typeface="+mn-lt"/>
+              </a:rPr>
+              <a:t> Scene in space and time. </a:t>
+            </a:r>
+          </a:p>
+          <a:p>
+            <a:pPr marL="0" indent="0">
+              <a:buNone/>
+            </a:pPr>
+            <a:r>
+              <a:rPr lang="en-US" b="1" dirty="0">
+                <a:latin typeface="+mn-lt"/>
+              </a:rPr>
+              <a:t>Geolocates </a:t>
+            </a:r>
+            <a:endParaRPr lang="en-US" dirty="0">
+              <a:latin typeface="+mn-lt"/>
+            </a:endParaRPr>
+          </a:p>
+          <a:p>
+            <a:pPr marL="857250" lvl="2" indent="0">
+              <a:buNone/>
+            </a:pPr>
+            <a:r>
+              <a:rPr lang="en-US" dirty="0">
+                <a:latin typeface="+mn-lt"/>
+              </a:rPr>
+              <a:t>The extension links the "floating" 3D origin of the </a:t>
+            </a:r>
+            <a:r>
+              <a:rPr lang="en-US" dirty="0" err="1">
+                <a:latin typeface="+mn-lt"/>
+              </a:rPr>
+              <a:t>glTF</a:t>
+            </a:r>
+            <a:r>
+              <a:rPr lang="en-US" dirty="0">
+                <a:latin typeface="+mn-lt"/>
+              </a:rPr>
+              <a:t> coordinate system to a position in geographically located three-dimensional space. The extension also identifies the proper time, measured by a clock at the origin, and well-defined even with very high velocities between unaccelerated reference frames.</a:t>
+            </a:r>
+          </a:p>
+          <a:p>
+            <a:pPr marL="0" indent="0">
+              <a:buNone/>
+            </a:pPr>
+            <a:r>
+              <a:rPr lang="en-US" b="1" dirty="0">
+                <a:latin typeface="+mn-lt"/>
+              </a:rPr>
+              <a:t>Orients </a:t>
+            </a:r>
+            <a:endParaRPr lang="en-US" dirty="0">
+              <a:latin typeface="+mn-lt"/>
+            </a:endParaRPr>
+          </a:p>
+          <a:p>
+            <a:pPr marL="857250" lvl="2" indent="0">
+              <a:buNone/>
+            </a:pPr>
+            <a:r>
+              <a:rPr lang="en-US" dirty="0">
+                <a:latin typeface="+mn-lt"/>
+              </a:rPr>
+              <a:t>The extension provides the 3D rotational relationship between that 3D Cartesian coordinate system and coordinates in an East(X), North(Y), Up(Z) plane tangent to the earth at the origin, using a JSON-encoded Basic-YPR OGC </a:t>
+            </a:r>
+            <a:r>
+              <a:rPr lang="en-US" dirty="0" err="1">
+                <a:latin typeface="+mn-lt"/>
+              </a:rPr>
+              <a:t>GeoPose</a:t>
+            </a:r>
+            <a:r>
+              <a:rPr lang="en-US" dirty="0">
+                <a:latin typeface="+mn-lt"/>
+              </a:rPr>
+              <a:t> v1.0. </a:t>
+            </a:r>
+          </a:p>
+          <a:p>
+            <a:pPr marL="0" indent="0">
+              <a:buNone/>
+            </a:pPr>
+            <a:r>
+              <a:rPr lang="en-US" b="1" dirty="0">
+                <a:latin typeface="+mn-lt"/>
+              </a:rPr>
+              <a:t>Bounds </a:t>
+            </a:r>
+            <a:endParaRPr lang="en-US" dirty="0">
+              <a:latin typeface="+mn-lt"/>
+            </a:endParaRPr>
+          </a:p>
+          <a:p>
+            <a:pPr marL="857250" lvl="2" indent="0">
+              <a:buNone/>
+            </a:pPr>
+            <a:r>
+              <a:rPr lang="en-US" dirty="0">
+                <a:latin typeface="+mn-lt"/>
+              </a:rPr>
+              <a:t>The extension specifies spatial bounds as a maximum distance in meters from the origin of the </a:t>
+            </a:r>
+            <a:r>
+              <a:rPr lang="en-US" dirty="0" err="1">
+                <a:latin typeface="+mn-lt"/>
+              </a:rPr>
+              <a:t>glTF</a:t>
+            </a:r>
+            <a:r>
+              <a:rPr lang="en-US" dirty="0">
+                <a:latin typeface="+mn-lt"/>
+              </a:rPr>
+              <a:t> coordinate system. This defines the valid extent of a model. It may represent a real-world property such as a cell-tower service radius or a collision volume.</a:t>
+            </a:r>
+          </a:p>
+          <a:p>
+            <a:pPr marL="0" indent="0">
+              <a:buNone/>
+            </a:pPr>
+            <a:endParaRPr lang="en-US" dirty="0"/>
+          </a:p>
+        </p:txBody>
+      </p:sp>
+      <p:sp>
+        <p:nvSpPr>
+          <p:cNvPr id="3" name="Title 2">
+            <a:extLst>
+              <a:ext uri="{FF2B5EF4-FFF2-40B4-BE49-F238E27FC236}">
+                <a16:creationId xmlns:a16="http://schemas.microsoft.com/office/drawing/2014/main" id="{753F7C1B-30EE-38A5-02DD-4901964BA900}"/>
+              </a:ext>
+            </a:extLst>
+          </p:cNvPr>
+          <p:cNvSpPr>
+            <a:spLocks noGrp="1"/>
+          </p:cNvSpPr>
+          <p:nvPr>
+            <p:ph type="title"/>
+          </p:nvPr>
+        </p:nvSpPr>
+        <p:spPr/>
+        <p:txBody>
+          <a:bodyPr/>
+          <a:lstStyle/>
+          <a:p>
+            <a:r>
+              <a:rPr lang="en-US" dirty="0"/>
+              <a:t>Overview</a:t>
+            </a:r>
+          </a:p>
+        </p:txBody>
+      </p:sp>
+      <p:sp>
+        <p:nvSpPr>
+          <p:cNvPr id="5" name="AutoShape 2" descr="hfb">
+            <a:extLst>
+              <a:ext uri="{FF2B5EF4-FFF2-40B4-BE49-F238E27FC236}">
+                <a16:creationId xmlns:a16="http://schemas.microsoft.com/office/drawing/2014/main" id="{56CFFF68-57F5-DAFB-C6CE-0051D90FE0D8}"/>
+              </a:ext>
+            </a:extLst>
+          </p:cNvPr>
+          <p:cNvSpPr>
+            <a:spLocks noChangeAspect="1" noChangeArrowheads="1"/>
+          </p:cNvSpPr>
+          <p:nvPr/>
+        </p:nvSpPr>
+        <p:spPr bwMode="auto">
+          <a:xfrm>
+            <a:off x="85725" y="4462463"/>
+            <a:ext cx="1905000" cy="1905000"/>
+          </a:xfrm>
+          <a:prstGeom prst="rect">
+            <a:avLst/>
+          </a:prstGeom>
+          <a:noFill/>
+          <a:extLst>
+            <a:ext uri="{909E8E84-426E-40DD-AFC4-6F175D3DCCD1}">
+              <a14:hiddenFill xmlns:a14="http://schemas.microsoft.com/office/drawing/2010/main">
+                <a:solidFill>
+                  <a:srgbClr val="FFFFFF"/>
+                </a:solidFill>
+              </a14:hiddenFill>
+            </a:ext>
+          </a:extLst>
+        </p:spPr>
+        <p:txBody>
+          <a:bodyPr vert="horz" wrap="square" lIns="91440" tIns="45720" rIns="91440" bIns="45720" numCol="1" anchor="t" anchorCtr="0" compatLnSpc="1">
+            <a:prstTxWarp prst="textNoShape">
+              <a:avLst/>
+            </a:prstTxWarp>
+          </a:bodyPr>
+          <a:lstStyle/>
+          <a:p>
+            <a:endParaRPr lang="en-US"/>
+          </a:p>
+        </p:txBody>
+      </p:sp>
+    </p:spTree>
+    <p:extLst>
+      <p:ext uri="{BB962C8B-B14F-4D97-AF65-F5344CB8AC3E}">
+        <p14:creationId xmlns:p14="http://schemas.microsoft.com/office/powerpoint/2010/main" val="3697197859"/>
+      </p:ext>
+    </p:extLst>
+  </p:cSld>
+  <p:clrMapOvr>
+    <a:masterClrMapping/>
+  </p:clrMapOvr>
+</p:sld>
+</file>
+
+<file path=ppt/slides/slide6.xml><?xml version="1.0" encoding="utf-8"?>
+<p:sld xmlns:a="http://schemas.openxmlformats.org/drawingml/2006/main" xmlns:r="http://schemas.openxmlformats.org/officeDocument/2006/relationships" xmlns:p="http://schemas.openxmlformats.org/presentationml/2006/main">
+  <p:cSld>
+    <p:spTree>
+      <p:nvGrpSpPr>
+        <p:cNvPr id="1" name="">
+          <a:extLst>
+            <a:ext uri="{FF2B5EF4-FFF2-40B4-BE49-F238E27FC236}">
+              <a16:creationId xmlns:a16="http://schemas.microsoft.com/office/drawing/2014/main" id="{29EAE736-967C-11A0-840C-C53433F4EC10}"/>
+            </a:ext>
+          </a:extLst>
+        </p:cNvPr>
+        <p:cNvGrpSpPr/>
+        <p:nvPr/>
+      </p:nvGrpSpPr>
+      <p:grpSpPr>
+        <a:xfrm>
+          <a:off x="0" y="0"/>
+          <a:ext cx="0" cy="0"/>
+          <a:chOff x="0" y="0"/>
+          <a:chExt cx="0" cy="0"/>
+        </a:xfrm>
+      </p:grpSpPr>
+      <p:sp>
+        <p:nvSpPr>
+          <p:cNvPr id="2" name="Text Placeholder 1">
+            <a:extLst>
+              <a:ext uri="{FF2B5EF4-FFF2-40B4-BE49-F238E27FC236}">
+                <a16:creationId xmlns:a16="http://schemas.microsoft.com/office/drawing/2014/main" id="{26B642D0-2BD3-465A-44E5-EF220CECB0A8}"/>
+              </a:ext>
+            </a:extLst>
+          </p:cNvPr>
+          <p:cNvSpPr>
+            <a:spLocks noGrp="1"/>
+          </p:cNvSpPr>
+          <p:nvPr>
+            <p:ph type="body" idx="16"/>
+          </p:nvPr>
+        </p:nvSpPr>
+        <p:spPr>
+          <a:xfrm>
+            <a:off x="838200" y="1866900"/>
+            <a:ext cx="16598236" cy="7309047"/>
+          </a:xfrm>
+        </p:spPr>
+        <p:txBody>
+          <a:bodyPr/>
+          <a:lstStyle/>
+          <a:p>
+            <a:pPr marL="0" indent="0">
+              <a:buNone/>
+            </a:pPr>
+            <a:r>
+              <a:rPr lang="en-US" sz="2800" b="1" dirty="0">
+                <a:latin typeface="+mn-lt"/>
+              </a:rPr>
+              <a:t>Use cases</a:t>
+            </a:r>
+            <a:endParaRPr lang="en-US" sz="2800" dirty="0">
+              <a:latin typeface="+mn-lt"/>
+            </a:endParaRPr>
+          </a:p>
+          <a:p>
+            <a:pPr lvl="2"/>
+            <a:r>
+              <a:rPr lang="en-US" sz="2600" dirty="0">
+                <a:latin typeface="+mn-lt"/>
+              </a:rPr>
+              <a:t>Publication of </a:t>
+            </a:r>
+            <a:r>
+              <a:rPr lang="en-US" sz="2600" dirty="0" err="1">
+                <a:latin typeface="+mn-lt"/>
+              </a:rPr>
+              <a:t>CityGML</a:t>
+            </a:r>
+            <a:r>
+              <a:rPr lang="en-US" sz="2600" dirty="0">
+                <a:latin typeface="+mn-lt"/>
+              </a:rPr>
+              <a:t> models in </a:t>
+            </a:r>
+            <a:r>
+              <a:rPr lang="en-US" sz="2600" dirty="0" err="1">
+                <a:latin typeface="+mn-lt"/>
+              </a:rPr>
+              <a:t>glTF</a:t>
+            </a:r>
+            <a:r>
+              <a:rPr lang="en-US" sz="2600" dirty="0">
+                <a:latin typeface="+mn-lt"/>
+              </a:rPr>
+              <a:t> 2.</a:t>
+            </a:r>
+          </a:p>
+          <a:p>
+            <a:pPr lvl="2"/>
+            <a:r>
+              <a:rPr lang="en-US" sz="2600" dirty="0">
+                <a:latin typeface="+mn-lt"/>
+              </a:rPr>
+              <a:t>Preloading of visual perception systems.</a:t>
+            </a:r>
+          </a:p>
+          <a:p>
+            <a:pPr lvl="2"/>
+            <a:r>
+              <a:rPr lang="en-US" sz="2600" dirty="0">
+                <a:latin typeface="+mn-lt"/>
+              </a:rPr>
+              <a:t>Exchange of visual perception fragments from vehicle mounted mobile </a:t>
+            </a:r>
+            <a:r>
+              <a:rPr lang="en-US" sz="2600" dirty="0" err="1">
+                <a:latin typeface="+mn-lt"/>
+              </a:rPr>
+              <a:t>platfforms</a:t>
+            </a:r>
+            <a:r>
+              <a:rPr lang="en-US" sz="2600" dirty="0">
+                <a:latin typeface="+mn-lt"/>
+              </a:rPr>
+              <a:t>.</a:t>
+            </a:r>
+          </a:p>
+          <a:p>
+            <a:pPr lvl="2"/>
+            <a:r>
+              <a:rPr lang="en-US" sz="2600" dirty="0">
+                <a:latin typeface="+mn-lt"/>
+              </a:rPr>
+              <a:t>Archive of geolocated surveillance video, including video with </a:t>
+            </a:r>
+            <a:r>
+              <a:rPr lang="en-US" sz="2600" dirty="0" err="1">
+                <a:latin typeface="+mn-lt"/>
+              </a:rPr>
+              <a:t>WebVMT</a:t>
+            </a:r>
+            <a:r>
+              <a:rPr lang="en-US" sz="2600" dirty="0">
+                <a:latin typeface="+mn-lt"/>
+              </a:rPr>
+              <a:t> tracks.</a:t>
+            </a:r>
+          </a:p>
+          <a:p>
+            <a:pPr marL="0" indent="0">
+              <a:buNone/>
+            </a:pPr>
+            <a:r>
+              <a:rPr lang="en-US" sz="2800" b="1" dirty="0" err="1">
+                <a:latin typeface="+mn-lt"/>
+              </a:rPr>
+              <a:t>glTF</a:t>
+            </a:r>
+            <a:r>
+              <a:rPr lang="en-US" sz="2800" b="1" dirty="0">
+                <a:latin typeface="+mn-lt"/>
+              </a:rPr>
+              <a:t> Schema Updates</a:t>
+            </a:r>
+            <a:endParaRPr lang="en-US" sz="2800" dirty="0">
+              <a:latin typeface="+mn-lt"/>
+            </a:endParaRPr>
+          </a:p>
+          <a:p>
+            <a:pPr marL="857250" lvl="2" indent="0">
+              <a:buNone/>
+            </a:pPr>
+            <a:r>
+              <a:rPr lang="en-US" sz="2600" dirty="0" err="1">
+                <a:latin typeface="+mn-lt"/>
+              </a:rPr>
+              <a:t>EXT_geolocate_orient_bound</a:t>
+            </a:r>
+            <a:r>
+              <a:rPr lang="en-US" sz="2600" dirty="0">
+                <a:latin typeface="+mn-lt"/>
+              </a:rPr>
+              <a:t> is implemented as a JSON object carrying the bounds, orientation, and geolocation parameters of a </a:t>
+            </a:r>
+            <a:r>
+              <a:rPr lang="en-US" sz="2600" dirty="0" err="1">
+                <a:latin typeface="+mn-lt"/>
+              </a:rPr>
+              <a:t>scenegraph</a:t>
+            </a:r>
+            <a:r>
+              <a:rPr lang="en-US" sz="2600" dirty="0">
+                <a:latin typeface="+mn-lt"/>
+              </a:rPr>
+              <a:t>. It becomes an additional property of a </a:t>
+            </a:r>
+            <a:r>
+              <a:rPr lang="en-US" sz="2600" dirty="0" err="1">
+                <a:latin typeface="+mn-lt"/>
+              </a:rPr>
+              <a:t>glTF</a:t>
+            </a:r>
+            <a:r>
+              <a:rPr lang="en-US" sz="2600" dirty="0">
+                <a:latin typeface="+mn-lt"/>
+              </a:rPr>
+              <a:t> Scene object. If a </a:t>
+            </a:r>
+            <a:r>
+              <a:rPr lang="en-US" sz="2600" dirty="0" err="1">
+                <a:latin typeface="+mn-lt"/>
+              </a:rPr>
+              <a:t>glTF</a:t>
+            </a:r>
+            <a:r>
+              <a:rPr lang="en-US" sz="2600" dirty="0">
+                <a:latin typeface="+mn-lt"/>
+              </a:rPr>
+              <a:t> model contains multiple Scenes, it may contain multiple </a:t>
+            </a:r>
+            <a:r>
+              <a:rPr lang="en-US" sz="2600" dirty="0" err="1">
+                <a:latin typeface="+mn-lt"/>
+              </a:rPr>
+              <a:t>OGC_geolocate_orient_bound</a:t>
+            </a:r>
+            <a:r>
+              <a:rPr lang="en-US" sz="2600" dirty="0">
+                <a:latin typeface="+mn-lt"/>
+              </a:rPr>
+              <a:t> properties. A Scene shall </a:t>
+            </a:r>
+            <a:r>
+              <a:rPr lang="en-US" sz="2600" b="1" dirty="0">
+                <a:latin typeface="+mn-lt"/>
+              </a:rPr>
+              <a:t>**not**</a:t>
+            </a:r>
+            <a:r>
+              <a:rPr lang="en-US" sz="2600" dirty="0">
+                <a:latin typeface="+mn-lt"/>
+              </a:rPr>
+              <a:t> have more than one </a:t>
+            </a:r>
+            <a:r>
+              <a:rPr lang="en-US" sz="2600" dirty="0" err="1">
+                <a:latin typeface="+mn-lt"/>
+              </a:rPr>
+              <a:t>OGC_geolocate_orient_bound</a:t>
+            </a:r>
+            <a:r>
+              <a:rPr lang="en-US" sz="2600" dirty="0">
+                <a:latin typeface="+mn-lt"/>
+              </a:rPr>
+              <a:t> property.</a:t>
+            </a:r>
+          </a:p>
+          <a:p>
+            <a:pPr marL="0" indent="0">
+              <a:buNone/>
+            </a:pPr>
+            <a:r>
+              <a:rPr lang="en-US" b="1" dirty="0">
+                <a:latin typeface="+mn-lt"/>
+              </a:rPr>
+              <a:t>JSON Schema</a:t>
+            </a:r>
+            <a:endParaRPr lang="en-US" dirty="0">
+              <a:latin typeface="+mn-lt"/>
+            </a:endParaRPr>
+          </a:p>
+          <a:p>
+            <a:pPr marL="0" indent="0">
+              <a:buNone/>
+            </a:pPr>
+            <a:r>
+              <a:rPr lang="en-US" u="sng" dirty="0">
+                <a:latin typeface="+mn-lt"/>
+                <a:hlinkClick r:id="rId2"/>
+              </a:rPr>
+              <a:t>	JSON Schema</a:t>
+            </a:r>
+            <a:endParaRPr lang="en-US" dirty="0">
+              <a:latin typeface="+mn-lt"/>
+            </a:endParaRPr>
+          </a:p>
+          <a:p>
+            <a:pPr marL="0" indent="0">
+              <a:buNone/>
+            </a:pPr>
+            <a:r>
+              <a:rPr lang="en-US" b="1" dirty="0">
+                <a:latin typeface="+mn-lt"/>
+              </a:rPr>
+              <a:t>Known Implementations</a:t>
+            </a:r>
+            <a:endParaRPr lang="en-US" dirty="0">
+              <a:latin typeface="+mn-lt"/>
+            </a:endParaRPr>
+          </a:p>
+          <a:p>
+            <a:pPr marL="0" indent="0">
+              <a:buNone/>
+            </a:pPr>
+            <a:r>
+              <a:rPr lang="en-US" dirty="0">
+                <a:latin typeface="+mn-lt"/>
+              </a:rPr>
+              <a:t>	</a:t>
+            </a:r>
+            <a:r>
+              <a:rPr lang="en-US" sz="2800" dirty="0" err="1">
+                <a:latin typeface="+mn-lt"/>
+              </a:rPr>
+              <a:t>GeoPoseIt</a:t>
+            </a:r>
+            <a:r>
+              <a:rPr lang="en-US" sz="2800" dirty="0">
+                <a:latin typeface="+mn-lt"/>
+              </a:rPr>
+              <a:t> service under development</a:t>
+            </a:r>
+            <a:r>
+              <a:rPr lang="en-US" dirty="0">
+                <a:latin typeface="+mn-lt"/>
+              </a:rPr>
+              <a:t>.</a:t>
+            </a:r>
+            <a:br>
+              <a:rPr lang="en-US" dirty="0">
+                <a:latin typeface="+mn-lt"/>
+              </a:rPr>
+            </a:br>
+            <a:r>
+              <a:rPr lang="en-US" dirty="0">
+                <a:latin typeface="+mn-lt"/>
+              </a:rPr>
+              <a:t>	</a:t>
+            </a:r>
+            <a:r>
+              <a:rPr lang="en-US" dirty="0" err="1">
+                <a:latin typeface="+mn-lt"/>
+              </a:rPr>
+              <a:t>glTF</a:t>
+            </a:r>
+            <a:r>
+              <a:rPr lang="en-US" dirty="0">
+                <a:latin typeface="+mn-lt"/>
+              </a:rPr>
+              <a:t> example </a:t>
+            </a:r>
+            <a:r>
+              <a:rPr lang="en-US" dirty="0">
+                <a:latin typeface="+mn-lt"/>
+                <a:hlinkClick r:id="rId3"/>
+              </a:rPr>
+              <a:t>here.</a:t>
+            </a:r>
+            <a:endParaRPr lang="en-US" dirty="0">
+              <a:latin typeface="+mn-lt"/>
+            </a:endParaRPr>
+          </a:p>
+          <a:p>
+            <a:pPr marL="0" indent="0">
+              <a:buNone/>
+            </a:pPr>
+            <a:br>
+              <a:rPr lang="en-US" dirty="0">
+                <a:latin typeface="+mn-lt"/>
+              </a:rPr>
+            </a:br>
+            <a:endParaRPr lang="en-US" dirty="0">
+              <a:latin typeface="+mn-lt"/>
+            </a:endParaRPr>
+          </a:p>
+          <a:p>
+            <a:pPr marL="0" indent="0">
+              <a:buNone/>
+            </a:pPr>
+            <a:r>
+              <a:rPr lang="en-US" dirty="0">
+                <a:latin typeface="+mn-lt"/>
+              </a:rPr>
+              <a:t>&lt;</a:t>
+            </a:r>
+            <a:r>
+              <a:rPr lang="en-US" dirty="0" err="1">
+                <a:latin typeface="+mn-lt"/>
+              </a:rPr>
+              <a:t>img</a:t>
+            </a:r>
+            <a:r>
+              <a:rPr lang="en-US" dirty="0">
+                <a:latin typeface="+mn-lt"/>
+              </a:rPr>
+              <a:t> </a:t>
+            </a:r>
+            <a:r>
+              <a:rPr lang="en-US" dirty="0" err="1">
+                <a:latin typeface="+mn-lt"/>
+              </a:rPr>
+              <a:t>src</a:t>
+            </a:r>
+            <a:r>
+              <a:rPr lang="en-US" dirty="0">
+                <a:latin typeface="+mn-lt"/>
+              </a:rPr>
+              <a:t>="2025-10-02-224001.png" alt="</a:t>
+            </a:r>
+            <a:r>
+              <a:rPr lang="en-US" dirty="0" err="1">
+                <a:latin typeface="+mn-lt"/>
+              </a:rPr>
+              <a:t>hfb</a:t>
+            </a:r>
+            <a:r>
+              <a:rPr lang="en-US" dirty="0">
+                <a:latin typeface="+mn-lt"/>
+              </a:rPr>
+              <a:t>" width="200"&gt;</a:t>
+            </a:r>
+          </a:p>
+          <a:p>
+            <a:pPr marL="0" indent="0">
+              <a:buNone/>
+            </a:pPr>
+            <a:br>
+              <a:rPr lang="en-US" dirty="0">
+                <a:latin typeface="+mn-lt"/>
+              </a:rPr>
+            </a:br>
+            <a:br>
+              <a:rPr lang="en-US" dirty="0">
+                <a:latin typeface="+mn-lt"/>
+              </a:rPr>
+            </a:br>
+            <a:endParaRPr lang="en-US" dirty="0">
+              <a:latin typeface="+mn-lt"/>
+            </a:endParaRPr>
+          </a:p>
+          <a:p>
+            <a:pPr marL="0" indent="0">
+              <a:buNone/>
+            </a:pPr>
+            <a:endParaRPr lang="en-US" dirty="0"/>
+          </a:p>
+        </p:txBody>
+      </p:sp>
+      <p:sp>
+        <p:nvSpPr>
+          <p:cNvPr id="3" name="Title 2">
+            <a:extLst>
+              <a:ext uri="{FF2B5EF4-FFF2-40B4-BE49-F238E27FC236}">
+                <a16:creationId xmlns:a16="http://schemas.microsoft.com/office/drawing/2014/main" id="{981E3BB1-EC81-C967-3CC6-D4306701BAEB}"/>
+              </a:ext>
+            </a:extLst>
+          </p:cNvPr>
+          <p:cNvSpPr>
+            <a:spLocks noGrp="1"/>
+          </p:cNvSpPr>
+          <p:nvPr>
+            <p:ph type="title"/>
+          </p:nvPr>
+        </p:nvSpPr>
+        <p:spPr/>
+        <p:txBody>
+          <a:bodyPr/>
+          <a:lstStyle/>
+          <a:p>
+            <a:r>
+              <a:rPr lang="en-US" dirty="0"/>
+              <a:t>Details</a:t>
+            </a:r>
+          </a:p>
+        </p:txBody>
+      </p:sp>
+      <p:sp>
+        <p:nvSpPr>
+          <p:cNvPr id="5" name="AutoShape 2" descr="hfb">
+            <a:extLst>
+              <a:ext uri="{FF2B5EF4-FFF2-40B4-BE49-F238E27FC236}">
+                <a16:creationId xmlns:a16="http://schemas.microsoft.com/office/drawing/2014/main" id="{361ECD4B-E590-FDAF-CFC5-D51791145165}"/>
+              </a:ext>
+            </a:extLst>
+          </p:cNvPr>
+          <p:cNvSpPr>
+            <a:spLocks noChangeAspect="1" noChangeArrowheads="1"/>
+          </p:cNvSpPr>
+          <p:nvPr/>
+        </p:nvSpPr>
+        <p:spPr bwMode="auto">
+          <a:xfrm>
+            <a:off x="85725" y="4462463"/>
+            <a:ext cx="1905000" cy="1905000"/>
+          </a:xfrm>
+          <a:prstGeom prst="rect">
+            <a:avLst/>
+          </a:prstGeom>
+          <a:noFill/>
+          <a:extLst>
+            <a:ext uri="{909E8E84-426E-40DD-AFC4-6F175D3DCCD1}">
+              <a14:hiddenFill xmlns:a14="http://schemas.microsoft.com/office/drawing/2010/main">
+                <a:solidFill>
+                  <a:srgbClr val="FFFFFF"/>
+                </a:solidFill>
+              </a14:hiddenFill>
+            </a:ext>
+          </a:extLst>
+        </p:spPr>
+        <p:txBody>
+          <a:bodyPr vert="horz" wrap="square" lIns="91440" tIns="45720" rIns="91440" bIns="45720" numCol="1" anchor="t" anchorCtr="0" compatLnSpc="1">
+            <a:prstTxWarp prst="textNoShape">
+              <a:avLst/>
+            </a:prstTxWarp>
+          </a:bodyPr>
+          <a:lstStyle/>
+          <a:p>
+            <a:endParaRPr lang="en-US"/>
+          </a:p>
+        </p:txBody>
+      </p:sp>
+    </p:spTree>
+    <p:extLst>
+      <p:ext uri="{BB962C8B-B14F-4D97-AF65-F5344CB8AC3E}">
+        <p14:creationId xmlns:p14="http://schemas.microsoft.com/office/powerpoint/2010/main" val="3752914802"/>
+      </p:ext>
+    </p:extLst>
+  </p:cSld>
+  <p:clrMapOvr>
+    <a:masterClrMapping/>
+  </p:clrMapOvr>
+</p:sld>
+</file>
+
+<file path=ppt/slides/slide7.xml><?xml version="1.0" encoding="utf-8"?>
+<p:sld xmlns:a="http://schemas.openxmlformats.org/drawingml/2006/main" xmlns:r="http://schemas.openxmlformats.org/officeDocument/2006/relationships" xmlns:p="http://schemas.openxmlformats.org/presentationml/2006/main">
+  <p:cSld>
+    <p:spTree>
+      <p:nvGrpSpPr>
+        <p:cNvPr id="1" name="">
+          <a:extLst>
+            <a:ext uri="{FF2B5EF4-FFF2-40B4-BE49-F238E27FC236}">
               <a16:creationId xmlns:a16="http://schemas.microsoft.com/office/drawing/2014/main" id="{952B1FA5-0525-3B6E-FF46-02F9151C9182}"/>
             </a:ext>
           </a:extLst>
@@ -6379,7 +7578,73 @@
             <a:pPr marL="0" indent="0">
               <a:buNone/>
             </a:pPr>
+            <a:r>
+              <a:rPr lang="en-US" dirty="0"/>
+              <a:t>Made preliminary submission: status  </a:t>
+            </a:r>
+            <a:r>
+              <a:rPr lang="en-US" dirty="0" err="1"/>
+              <a:t>glTF</a:t>
+            </a:r>
+            <a:r>
+              <a:rPr lang="en-US" dirty="0"/>
+              <a:t> “Idea”</a:t>
+            </a:r>
+          </a:p>
+          <a:p>
+            <a:pPr marL="0" indent="0">
+              <a:buNone/>
+            </a:pPr>
+            <a:r>
+              <a:rPr lang="en-US" dirty="0"/>
+              <a:t>When </a:t>
+            </a:r>
+            <a:r>
+              <a:rPr lang="en-US" dirty="0" err="1"/>
+              <a:t>GeoPoseIT</a:t>
+            </a:r>
+            <a:r>
+              <a:rPr lang="en-US" dirty="0"/>
+              <a:t> service to attach extension to any existing </a:t>
+            </a:r>
+            <a:r>
+              <a:rPr lang="en-US" dirty="0" err="1"/>
+              <a:t>glTF</a:t>
+            </a:r>
+            <a:r>
+              <a:rPr lang="en-US" dirty="0"/>
+              <a:t> file is online, will go to next step in the Khronos process. ETA Q1 2026.</a:t>
+            </a:r>
+          </a:p>
+          <a:p>
+            <a:pPr marL="0" indent="0">
+              <a:buNone/>
+            </a:pPr>
             <a:endParaRPr lang="en-US" dirty="0"/>
+          </a:p>
+          <a:p>
+            <a:pPr marL="0" indent="0">
+              <a:buNone/>
+            </a:pPr>
+            <a:r>
+              <a:rPr lang="en-US" dirty="0"/>
+              <a:t>Questions/comments?</a:t>
+            </a:r>
+          </a:p>
+          <a:p>
+            <a:pPr marL="0" indent="0">
+              <a:buNone/>
+            </a:pPr>
+            <a:endParaRPr lang="en-US" dirty="0"/>
+          </a:p>
+          <a:p>
+            <a:pPr marL="0" indent="0">
+              <a:buNone/>
+            </a:pPr>
+            <a:r>
+              <a:rPr lang="en-US" dirty="0"/>
+              <a:t>Thank you.</a:t>
+            </a:r>
           </a:p>
         </p:txBody>
       </p:sp>
@@ -6406,15 +7671,7 @@
           <a:p>
             <a:r>
               <a:rPr lang="en-US" dirty="0"/>
-              <a:t>&lt;Presentation </a:t>
-            </a:r>
-            <a:r>
-              <a:rPr lang="en-US" dirty="0" err="1"/>
-              <a:t>Wrapup</a:t>
-            </a:r>
-            <a:r>
-              <a:rPr lang="en-US" dirty="0"/>
-              <a:t>&gt;</a:t>
+              <a:t>Status</a:t>
             </a:r>
           </a:p>
         </p:txBody>
@@ -6432,104 +7689,7 @@
 </p:sld>
 </file>
 
-<file path=ppt/slides/slide5.xml><?xml version="1.0" encoding="utf-8"?>
-<p:sld xmlns:a="http://schemas.openxmlformats.org/drawingml/2006/main" xmlns:r="http://schemas.openxmlformats.org/officeDocument/2006/relationships" xmlns:p="http://schemas.openxmlformats.org/presentationml/2006/main">
-  <p:cSld>
-    <p:spTree>
-      <p:nvGrpSpPr>
-        <p:cNvPr id="1" name="">
-          <a:extLst>
-            <a:ext uri="{FF2B5EF4-FFF2-40B4-BE49-F238E27FC236}">
-              <a16:creationId xmlns:a16="http://schemas.microsoft.com/office/drawing/2014/main" id="{30C1D94C-0EBC-3C1C-496A-141DC7339C15}"/>
-            </a:ext>
-          </a:extLst>
-        </p:cNvPr>
-        <p:cNvGrpSpPr/>
-        <p:nvPr/>
-      </p:nvGrpSpPr>
-      <p:grpSpPr>
-        <a:xfrm>
-          <a:off x="0" y="0"/>
-          <a:ext cx="0" cy="0"/>
-          <a:chOff x="0" y="0"/>
-          <a:chExt cx="0" cy="0"/>
-        </a:xfrm>
-      </p:grpSpPr>
-      <p:sp>
-        <p:nvSpPr>
-          <p:cNvPr id="2" name="Text Placeholder 1">
-            <a:extLst>
-              <a:ext uri="{FF2B5EF4-FFF2-40B4-BE49-F238E27FC236}">
-                <a16:creationId xmlns:a16="http://schemas.microsoft.com/office/drawing/2014/main" id="{C2EE1C65-1072-BAE4-D948-23E436144DA7}"/>
-              </a:ext>
-            </a:extLst>
-          </p:cNvPr>
-          <p:cNvSpPr>
-            <a:spLocks noGrp="1"/>
-          </p:cNvSpPr>
-          <p:nvPr>
-            <p:ph type="body" idx="16"/>
-          </p:nvPr>
-        </p:nvSpPr>
-        <p:spPr>
-          <a:xfrm>
-            <a:off x="838200" y="1866900"/>
-            <a:ext cx="16598236" cy="7309047"/>
-          </a:xfrm>
-        </p:spPr>
-        <p:txBody>
-          <a:bodyPr/>
-          <a:lstStyle/>
-          <a:p>
-            <a:pPr marL="0" indent="0">
-              <a:buNone/>
-            </a:pPr>
-            <a:endParaRPr lang="en-US" dirty="0"/>
-          </a:p>
-        </p:txBody>
-      </p:sp>
-      <p:sp>
-        <p:nvSpPr>
-          <p:cNvPr id="3" name="Title 2">
-            <a:extLst>
-              <a:ext uri="{FF2B5EF4-FFF2-40B4-BE49-F238E27FC236}">
-                <a16:creationId xmlns:a16="http://schemas.microsoft.com/office/drawing/2014/main" id="{5046611A-088E-953B-0399-5AD59D0FDBF4}"/>
-              </a:ext>
-            </a:extLst>
-          </p:cNvPr>
-          <p:cNvSpPr>
-            <a:spLocks noGrp="1"/>
-          </p:cNvSpPr>
-          <p:nvPr>
-            <p:ph type="title"/>
-          </p:nvPr>
-        </p:nvSpPr>
-        <p:spPr/>
-        <p:txBody>
-          <a:bodyPr/>
-          <a:lstStyle/>
-          <a:p>
-            <a:r>
-              <a:rPr lang="en-US" dirty="0"/>
-              <a:t>&lt;Questions&gt;</a:t>
-            </a:r>
-          </a:p>
-        </p:txBody>
-      </p:sp>
-    </p:spTree>
-    <p:extLst>
-      <p:ext uri="{BB962C8B-B14F-4D97-AF65-F5344CB8AC3E}">
-        <p14:creationId xmlns:p14="http://schemas.microsoft.com/office/powerpoint/2010/main" val="3367227334"/>
-      </p:ext>
-    </p:extLst>
-  </p:cSld>
-  <p:clrMapOvr>
-    <a:masterClrMapping/>
-  </p:clrMapOvr>
-</p:sld>
-</file>
-
-<file path=ppt/slides/slide6.xml><?xml version="1.0" encoding="utf-8"?>
+<file path=ppt/slides/slide8.xml><?xml version="1.0" encoding="utf-8"?>
 <p:sld xmlns:a="http://schemas.openxmlformats.org/drawingml/2006/main" xmlns:r="http://schemas.openxmlformats.org/officeDocument/2006/relationships" xmlns:p="http://schemas.openxmlformats.org/presentationml/2006/main">
   <p:cSld>
     <p:spTree>
@@ -7760,15 +8920,6 @@
 </file>
 
 <file path=customXml/item1.xml><?xml version="1.0" encoding="utf-8"?>
-<?mso-contentType ?>
-<FormTemplates xmlns="http://schemas.microsoft.com/sharepoint/v3/contenttype/forms">
-  <Display>DocumentLibraryForm</Display>
-  <Edit>DocumentLibraryForm</Edit>
-  <New>DocumentLibraryForm</New>
-</FormTemplates>
-</file>
-
-<file path=customXml/item2.xml><?xml version="1.0" encoding="utf-8"?>
 <ct:contentTypeSchema xmlns:ct="http://schemas.microsoft.com/office/2006/metadata/contentType" xmlns:ma="http://schemas.microsoft.com/office/2006/metadata/properties/metaAttributes" ct:_="" ma:_="" ma:contentTypeName="Document" ma:contentTypeID="0x01010043D6C5B1E4575B45A67252651D547745" ma:contentTypeVersion="5" ma:contentTypeDescription="Create a new document." ma:contentTypeScope="" ma:versionID="abcbbf97e778d2459eaf06a99253d27f">
   <xsd:schema xmlns:xsd="http://www.w3.org/2001/XMLSchema" xmlns:xs="http://www.w3.org/2001/XMLSchema" xmlns:p="http://schemas.microsoft.com/office/2006/metadata/properties" xmlns:ns3="c9d48118-3257-49e8-b197-f28d09ea93e0" targetNamespace="http://schemas.microsoft.com/office/2006/metadata/properties" ma:root="true" ma:fieldsID="4ab44e5032784fa9d2a4b9a076403eae" ns3:_="">
     <xsd:import namespace="c9d48118-3257-49e8-b197-f28d09ea93e0"/>
@@ -7920,6 +9071,15 @@
 </ct:contentTypeSchema>
 </file>
 
+<file path=customXml/item2.xml><?xml version="1.0" encoding="utf-8"?>
+<?mso-contentType ?>
+<FormTemplates xmlns="http://schemas.microsoft.com/sharepoint/v3/contenttype/forms">
+  <Display>DocumentLibraryForm</Display>
+  <Edit>DocumentLibraryForm</Edit>
+  <New>DocumentLibraryForm</New>
+</FormTemplates>
+</file>
+
 <file path=customXml/item3.xml><?xml version="1.0" encoding="utf-8"?>
 <p:properties xmlns:p="http://schemas.microsoft.com/office/2006/metadata/properties" xmlns:xsi="http://www.w3.org/2001/XMLSchema-instance" xmlns:pc="http://schemas.microsoft.com/office/infopath/2007/PartnerControls">
   <documentManagement/>
@@ -7927,14 +9087,6 @@
 </file>
 
 <file path=customXml/itemProps1.xml><?xml version="1.0" encoding="utf-8"?>
-<ds:datastoreItem xmlns:ds="http://schemas.openxmlformats.org/officeDocument/2006/customXml" ds:itemID="{A028D80A-D8F1-4E9F-96FE-EDED6B38411B}">
-  <ds:schemaRefs>
-    <ds:schemaRef ds:uri="http://schemas.microsoft.com/sharepoint/v3/contenttype/forms"/>
-  </ds:schemaRefs>
-</ds:datastoreItem>
-</file>
-
-<file path=customXml/itemProps2.xml><?xml version="1.0" encoding="utf-8"?>
 <ds:datastoreItem xmlns:ds="http://schemas.openxmlformats.org/officeDocument/2006/customXml" ds:itemID="{B1637B73-45C9-44F2-97E6-558EE7A2FC82}">
   <ds:schemaRefs>
     <ds:schemaRef ds:uri="http://schemas.microsoft.com/office/2006/metadata/contentType"/>
@@ -7948,6 +9100,14 @@
     <ds:schemaRef ds:uri="http://purl.org/dc/elements/1.1/"/>
     <ds:schemaRef ds:uri="http://purl.org/dc/terms/"/>
     <ds:schemaRef ds:uri="http://schemas.microsoft.com/internal/obd"/>
+  </ds:schemaRefs>
+</ds:datastoreItem>
+</file>
+
+<file path=customXml/itemProps2.xml><?xml version="1.0" encoding="utf-8"?>
+<ds:datastoreItem xmlns:ds="http://schemas.openxmlformats.org/officeDocument/2006/customXml" ds:itemID="{A028D80A-D8F1-4E9F-96FE-EDED6B38411B}">
+  <ds:schemaRefs>
+    <ds:schemaRef ds:uri="http://schemas.microsoft.com/sharepoint/v3/contenttype/forms"/>
   </ds:schemaRefs>
 </ds:datastoreItem>
 </file>

--- a/Presentations/2025_Summit/2025_Oct_27_Summit_Standards_glTF.pptx
+++ b/Presentations/2025_Summit/2025_Oct_27_Summit_Standards_glTF.pptx
@@ -5,30 +5,29 @@
     <p:sldMasterId id="2147483648" r:id="rId4"/>
   </p:sldMasterIdLst>
   <p:notesMasterIdLst>
-    <p:notesMasterId r:id="rId13"/>
+    <p:notesMasterId r:id="rId12"/>
   </p:notesMasterIdLst>
   <p:handoutMasterIdLst>
-    <p:handoutMasterId r:id="rId14"/>
+    <p:handoutMasterId r:id="rId13"/>
   </p:handoutMasterIdLst>
   <p:sldIdLst>
     <p:sldId id="379" r:id="rId5"/>
     <p:sldId id="432" r:id="rId6"/>
-    <p:sldId id="461" r:id="rId7"/>
-    <p:sldId id="464" r:id="rId8"/>
-    <p:sldId id="466" r:id="rId9"/>
-    <p:sldId id="467" r:id="rId10"/>
-    <p:sldId id="462" r:id="rId11"/>
-    <p:sldId id="348" r:id="rId12"/>
+    <p:sldId id="464" r:id="rId7"/>
+    <p:sldId id="466" r:id="rId8"/>
+    <p:sldId id="467" r:id="rId9"/>
+    <p:sldId id="462" r:id="rId10"/>
+    <p:sldId id="348" r:id="rId11"/>
   </p:sldIdLst>
   <p:sldSz cx="18288000" cy="10287000"/>
   <p:notesSz cx="6858000" cy="9144000"/>
   <p:embeddedFontLst>
     <p:embeddedFont>
       <p:font typeface="Aptos SemiBold" panose="020B0004020202020204" pitchFamily="34" charset="0"/>
-      <p:regular r:id="rId15"/>
-      <p:bold r:id="rId16"/>
-      <p:italic r:id="rId17"/>
-      <p:boldItalic r:id="rId18"/>
+      <p:regular r:id="rId14"/>
+      <p:bold r:id="rId15"/>
+      <p:italic r:id="rId16"/>
+      <p:boldItalic r:id="rId17"/>
     </p:embeddedFont>
   </p:embeddedFontLst>
   <p:defaultTextStyle>
@@ -3257,7 +3256,7 @@
           <a:p>
             <a:fld id="{8028D1E4-4BBA-6F41-9D9B-7C498DFA1119}" type="datetimeFigureOut">
               <a:rPr lang="en-US" smtClean="0"/>
-              <a:t>10/21/2025</a:t>
+              <a:t>10/24/2025</a:t>
             </a:fld>
             <a:endParaRPr lang="en-US"/>
           </a:p>
@@ -3434,7 +3433,7 @@
           <a:p>
             <a:fld id="{761ABE01-8AD2-744F-9651-CCC9DC857332}" type="datetimeFigureOut">
               <a:rPr lang="en-US" smtClean="0"/>
-              <a:t>10/21/2025</a:t>
+              <a:t>10/24/2025</a:t>
             </a:fld>
             <a:endParaRPr lang="en-US"/>
           </a:p>
@@ -5460,7 +5459,7 @@
             <a:fld id="{1D8BD707-D9CF-40AE-B4C6-C98DA3205C09}" type="datetimeFigureOut">
               <a:rPr lang="en-US" smtClean="0"/>
               <a:pPr/>
-              <a:t>10/21/2025</a:t>
+              <a:t>10/24/2025</a:t>
             </a:fld>
             <a:endParaRPr lang="en-US" dirty="0"/>
           </a:p>
@@ -6146,197 +6145,6 @@
         <p:cNvPr id="1" name="">
           <a:extLst>
             <a:ext uri="{FF2B5EF4-FFF2-40B4-BE49-F238E27FC236}">
-              <a16:creationId xmlns:a16="http://schemas.microsoft.com/office/drawing/2014/main" id="{FACB3EA9-2236-291B-A47A-9CF0D499A434}"/>
-            </a:ext>
-          </a:extLst>
-        </p:cNvPr>
-        <p:cNvGrpSpPr/>
-        <p:nvPr/>
-      </p:nvGrpSpPr>
-      <p:grpSpPr>
-        <a:xfrm>
-          <a:off x="0" y="0"/>
-          <a:ext cx="0" cy="0"/>
-          <a:chOff x="0" y="0"/>
-          <a:chExt cx="0" cy="0"/>
-        </a:xfrm>
-      </p:grpSpPr>
-      <p:sp>
-        <p:nvSpPr>
-          <p:cNvPr id="2" name="Text Placeholder 1">
-            <a:extLst>
-              <a:ext uri="{FF2B5EF4-FFF2-40B4-BE49-F238E27FC236}">
-                <a16:creationId xmlns:a16="http://schemas.microsoft.com/office/drawing/2014/main" id="{AF4197BD-4D41-E70A-17DE-CCC1A1B08DB2}"/>
-              </a:ext>
-            </a:extLst>
-          </p:cNvPr>
-          <p:cNvSpPr>
-            <a:spLocks noGrp="1"/>
-          </p:cNvSpPr>
-          <p:nvPr>
-            <p:ph type="body" idx="16"/>
-          </p:nvPr>
-        </p:nvSpPr>
-        <p:spPr>
-          <a:xfrm>
-            <a:off x="838200" y="1866900"/>
-            <a:ext cx="16598236" cy="7309047"/>
-          </a:xfrm>
-        </p:spPr>
-        <p:txBody>
-          <a:bodyPr/>
-          <a:lstStyle/>
-          <a:p>
-            <a:pPr marL="0" indent="0">
-              <a:buNone/>
-            </a:pPr>
-            <a:r>
-              <a:rPr lang="en-US" dirty="0"/>
-              <a:t>5. </a:t>
-            </a:r>
-            <a:r>
-              <a:rPr lang="en-US" dirty="0" err="1"/>
-              <a:t>GeoPose</a:t>
-            </a:r>
-            <a:r>
-              <a:rPr lang="en-US" dirty="0"/>
-              <a:t> to Meet Geospatial Requirements in Other Standards</a:t>
-            </a:r>
-          </a:p>
-          <a:p>
-            <a:pPr marL="0" indent="0">
-              <a:buNone/>
-            </a:pPr>
-            <a:r>
-              <a:rPr lang="en-US" dirty="0"/>
-              <a:t>Time: 12:00 – 1:00</a:t>
-            </a:r>
-          </a:p>
-          <a:p>
-            <a:pPr marL="0" indent="0">
-              <a:buNone/>
-            </a:pPr>
-            <a:r>
-              <a:rPr lang="en-US" dirty="0"/>
-              <a:t>Description: </a:t>
-            </a:r>
-            <a:r>
-              <a:rPr lang="en-US" dirty="0" err="1"/>
-              <a:t>GeoPose</a:t>
-            </a:r>
-            <a:r>
-              <a:rPr lang="en-US" dirty="0"/>
-              <a:t> is built from modular components that can be used independently or combined to create complete representations of position and orientation. This flexible design allows </a:t>
-            </a:r>
-            <a:r>
-              <a:rPr lang="en-US" dirty="0" err="1"/>
-              <a:t>GeoPose</a:t>
-            </a:r>
-            <a:r>
-              <a:rPr lang="en-US" dirty="0"/>
-              <a:t> to integrate seamlessly with other standards, making it a powerful tool for bridging systems and ensuring interoperability across diverse spatial applications. By referencing </a:t>
-            </a:r>
-            <a:r>
-              <a:rPr lang="en-US" dirty="0" err="1"/>
-              <a:t>GeoPose</a:t>
-            </a:r>
-            <a:r>
-              <a:rPr lang="en-US" dirty="0"/>
-              <a:t> in a normative manner, other standards benefit from the well-defined framework of components.</a:t>
-            </a:r>
-          </a:p>
-          <a:p>
-            <a:pPr marL="0" indent="0">
-              <a:buNone/>
-            </a:pPr>
-            <a:r>
-              <a:rPr lang="en-US" dirty="0"/>
-              <a:t>Speakers: Steve Smyth, Open Site Plan; George Percivall, </a:t>
-            </a:r>
-            <a:r>
-              <a:rPr lang="en-US" dirty="0" err="1"/>
-              <a:t>GeoRoundtable</a:t>
-            </a:r>
-            <a:r>
-              <a:rPr lang="en-US" dirty="0"/>
-              <a:t>/Spatial Web Foundation/IEEE; Alfred Tom, OMA3; Johannes Behr, Web3D Consortium/</a:t>
-            </a:r>
-            <a:r>
-              <a:rPr lang="en-US" dirty="0" err="1"/>
-              <a:t>Threedy</a:t>
-            </a:r>
-            <a:endParaRPr lang="en-US" dirty="0"/>
-          </a:p>
-          <a:p>
-            <a:pPr marL="0" indent="0">
-              <a:buNone/>
-            </a:pPr>
-            <a:endParaRPr lang="en-US" dirty="0"/>
-          </a:p>
-          <a:p>
-            <a:pPr marL="0" indent="0">
-              <a:buNone/>
-            </a:pPr>
-            <a:r>
-              <a:rPr lang="en-US" dirty="0" err="1"/>
-              <a:t>glTF</a:t>
-            </a:r>
-            <a:r>
-              <a:rPr lang="en-US" dirty="0"/>
-              <a:t> 5 slides</a:t>
-            </a:r>
-          </a:p>
-        </p:txBody>
-      </p:sp>
-      <p:sp>
-        <p:nvSpPr>
-          <p:cNvPr id="3" name="Title 2">
-            <a:extLst>
-              <a:ext uri="{FF2B5EF4-FFF2-40B4-BE49-F238E27FC236}">
-                <a16:creationId xmlns:a16="http://schemas.microsoft.com/office/drawing/2014/main" id="{905DC566-D87A-E966-D171-F19452F44A50}"/>
-              </a:ext>
-            </a:extLst>
-          </p:cNvPr>
-          <p:cNvSpPr>
-            <a:spLocks noGrp="1"/>
-          </p:cNvSpPr>
-          <p:nvPr>
-            <p:ph type="title"/>
-          </p:nvPr>
-        </p:nvSpPr>
-        <p:spPr/>
-        <p:txBody>
-          <a:bodyPr/>
-          <a:lstStyle/>
-          <a:p>
-            <a:r>
-              <a:rPr lang="en-US" dirty="0"/>
-              <a:t>&lt;Presentation&gt;</a:t>
-            </a:r>
-          </a:p>
-        </p:txBody>
-      </p:sp>
-    </p:spTree>
-    <p:extLst>
-      <p:ext uri="{BB962C8B-B14F-4D97-AF65-F5344CB8AC3E}">
-        <p14:creationId xmlns:p14="http://schemas.microsoft.com/office/powerpoint/2010/main" val="1317121712"/>
-      </p:ext>
-    </p:extLst>
-  </p:cSld>
-  <p:clrMapOvr>
-    <a:masterClrMapping/>
-  </p:clrMapOvr>
-</p:sld>
-</file>
-
-<file path=ppt/slides/slide4.xml><?xml version="1.0" encoding="utf-8"?>
-<p:sld xmlns:a="http://schemas.openxmlformats.org/drawingml/2006/main" xmlns:r="http://schemas.openxmlformats.org/officeDocument/2006/relationships" xmlns:p="http://schemas.openxmlformats.org/presentationml/2006/main">
-  <p:cSld>
-    <p:spTree>
-      <p:nvGrpSpPr>
-        <p:cNvPr id="1" name="">
-          <a:extLst>
-            <a:ext uri="{FF2B5EF4-FFF2-40B4-BE49-F238E27FC236}">
               <a16:creationId xmlns:a16="http://schemas.microsoft.com/office/drawing/2014/main" id="{ADBA471A-E937-050A-D7BA-AE55834DA663}"/>
             </a:ext>
           </a:extLst>
@@ -6707,7 +6515,7 @@
 </p:sld>
 </file>
 
-<file path=ppt/slides/slide5.xml><?xml version="1.0" encoding="utf-8"?>
+<file path=ppt/slides/slide4.xml><?xml version="1.0" encoding="utf-8"?>
 <p:sld xmlns:a="http://schemas.openxmlformats.org/drawingml/2006/main" xmlns:r="http://schemas.openxmlformats.org/officeDocument/2006/relationships" xmlns:p="http://schemas.openxmlformats.org/presentationml/2006/main">
   <p:cSld>
     <p:spTree>
@@ -6994,7 +6802,7 @@
 </p:sld>
 </file>
 
-<file path=ppt/slides/slide6.xml><?xml version="1.0" encoding="utf-8"?>
+<file path=ppt/slides/slide5.xml><?xml version="1.0" encoding="utf-8"?>
 <p:sld xmlns:a="http://schemas.openxmlformats.org/drawingml/2006/main" xmlns:r="http://schemas.openxmlformats.org/officeDocument/2006/relationships" xmlns:p="http://schemas.openxmlformats.org/presentationml/2006/main">
   <p:cSld>
     <p:spTree>
@@ -7526,7 +7334,7 @@
 </p:sld>
 </file>
 
-<file path=ppt/slides/slide7.xml><?xml version="1.0" encoding="utf-8"?>
+<file path=ppt/slides/slide6.xml><?xml version="1.0" encoding="utf-8"?>
 <p:sld xmlns:a="http://schemas.openxmlformats.org/drawingml/2006/main" xmlns:r="http://schemas.openxmlformats.org/officeDocument/2006/relationships" xmlns:p="http://schemas.openxmlformats.org/presentationml/2006/main">
   <p:cSld>
     <p:spTree>
@@ -7689,7 +7497,7 @@
 </p:sld>
 </file>
 
-<file path=ppt/slides/slide8.xml><?xml version="1.0" encoding="utf-8"?>
+<file path=ppt/slides/slide7.xml><?xml version="1.0" encoding="utf-8"?>
 <p:sld xmlns:a="http://schemas.openxmlformats.org/drawingml/2006/main" xmlns:r="http://schemas.openxmlformats.org/officeDocument/2006/relationships" xmlns:p="http://schemas.openxmlformats.org/presentationml/2006/main">
   <p:cSld>
     <p:spTree>
@@ -8920,6 +8728,15 @@
 </file>
 
 <file path=customXml/item1.xml><?xml version="1.0" encoding="utf-8"?>
+<?mso-contentType ?>
+<FormTemplates xmlns="http://schemas.microsoft.com/sharepoint/v3/contenttype/forms">
+  <Display>DocumentLibraryForm</Display>
+  <Edit>DocumentLibraryForm</Edit>
+  <New>DocumentLibraryForm</New>
+</FormTemplates>
+</file>
+
+<file path=customXml/item2.xml><?xml version="1.0" encoding="utf-8"?>
 <ct:contentTypeSchema xmlns:ct="http://schemas.microsoft.com/office/2006/metadata/contentType" xmlns:ma="http://schemas.microsoft.com/office/2006/metadata/properties/metaAttributes" ct:_="" ma:_="" ma:contentTypeName="Document" ma:contentTypeID="0x01010043D6C5B1E4575B45A67252651D547745" ma:contentTypeVersion="5" ma:contentTypeDescription="Create a new document." ma:contentTypeScope="" ma:versionID="abcbbf97e778d2459eaf06a99253d27f">
   <xsd:schema xmlns:xsd="http://www.w3.org/2001/XMLSchema" xmlns:xs="http://www.w3.org/2001/XMLSchema" xmlns:p="http://schemas.microsoft.com/office/2006/metadata/properties" xmlns:ns3="c9d48118-3257-49e8-b197-f28d09ea93e0" targetNamespace="http://schemas.microsoft.com/office/2006/metadata/properties" ma:root="true" ma:fieldsID="4ab44e5032784fa9d2a4b9a076403eae" ns3:_="">
     <xsd:import namespace="c9d48118-3257-49e8-b197-f28d09ea93e0"/>
@@ -9071,15 +8888,6 @@
 </ct:contentTypeSchema>
 </file>
 
-<file path=customXml/item2.xml><?xml version="1.0" encoding="utf-8"?>
-<?mso-contentType ?>
-<FormTemplates xmlns="http://schemas.microsoft.com/sharepoint/v3/contenttype/forms">
-  <Display>DocumentLibraryForm</Display>
-  <Edit>DocumentLibraryForm</Edit>
-  <New>DocumentLibraryForm</New>
-</FormTemplates>
-</file>
-
 <file path=customXml/item3.xml><?xml version="1.0" encoding="utf-8"?>
 <p:properties xmlns:p="http://schemas.microsoft.com/office/2006/metadata/properties" xmlns:xsi="http://www.w3.org/2001/XMLSchema-instance" xmlns:pc="http://schemas.microsoft.com/office/infopath/2007/PartnerControls">
   <documentManagement/>
@@ -9087,6 +8895,14 @@
 </file>
 
 <file path=customXml/itemProps1.xml><?xml version="1.0" encoding="utf-8"?>
+<ds:datastoreItem xmlns:ds="http://schemas.openxmlformats.org/officeDocument/2006/customXml" ds:itemID="{A028D80A-D8F1-4E9F-96FE-EDED6B38411B}">
+  <ds:schemaRefs>
+    <ds:schemaRef ds:uri="http://schemas.microsoft.com/sharepoint/v3/contenttype/forms"/>
+  </ds:schemaRefs>
+</ds:datastoreItem>
+</file>
+
+<file path=customXml/itemProps2.xml><?xml version="1.0" encoding="utf-8"?>
 <ds:datastoreItem xmlns:ds="http://schemas.openxmlformats.org/officeDocument/2006/customXml" ds:itemID="{B1637B73-45C9-44F2-97E6-558EE7A2FC82}">
   <ds:schemaRefs>
     <ds:schemaRef ds:uri="http://schemas.microsoft.com/office/2006/metadata/contentType"/>
@@ -9100,14 +8916,6 @@
     <ds:schemaRef ds:uri="http://purl.org/dc/elements/1.1/"/>
     <ds:schemaRef ds:uri="http://purl.org/dc/terms/"/>
     <ds:schemaRef ds:uri="http://schemas.microsoft.com/internal/obd"/>
-  </ds:schemaRefs>
-</ds:datastoreItem>
-</file>
-
-<file path=customXml/itemProps2.xml><?xml version="1.0" encoding="utf-8"?>
-<ds:datastoreItem xmlns:ds="http://schemas.openxmlformats.org/officeDocument/2006/customXml" ds:itemID="{A028D80A-D8F1-4E9F-96FE-EDED6B38411B}">
-  <ds:schemaRefs>
-    <ds:schemaRef ds:uri="http://schemas.microsoft.com/sharepoint/v3/contenttype/forms"/>
   </ds:schemaRefs>
 </ds:datastoreItem>
 </file>
